--- a/2M采样率双通道数据采集卡.pptx
+++ b/2M采样率双通道数据采集卡.pptx
@@ -5,10 +5,10 @@
     <p:sldMasterId id="2147483648" r:id="rId1"/>
   </p:sldMasterIdLst>
   <p:notesMasterIdLst>
-    <p:notesMasterId r:id="rId21"/>
+    <p:notesMasterId r:id="rId20"/>
   </p:notesMasterIdLst>
   <p:handoutMasterIdLst>
-    <p:handoutMasterId r:id="rId22"/>
+    <p:handoutMasterId r:id="rId21"/>
   </p:handoutMasterIdLst>
   <p:sldIdLst>
     <p:sldId id="256" r:id="rId2"/>
@@ -27,9 +27,8 @@
     <p:sldId id="354" r:id="rId15"/>
     <p:sldId id="357" r:id="rId16"/>
     <p:sldId id="361" r:id="rId17"/>
-    <p:sldId id="359" r:id="rId18"/>
-    <p:sldId id="358" r:id="rId19"/>
-    <p:sldId id="344" r:id="rId20"/>
+    <p:sldId id="358" r:id="rId18"/>
+    <p:sldId id="344" r:id="rId19"/>
   </p:sldIdLst>
   <p:sldSz cx="9144000" cy="6858000" type="screen4x3"/>
   <p:notesSz cx="6858000" cy="9144000"/>
@@ -274,7 +273,7 @@
             <a:fld id="{82FA18EF-0EFB-48D4-B3D5-068DCA443A79}" type="datetimeFigureOut">
               <a:rPr lang="zh-CN" altLang="en-US" smtClean="0"/>
               <a:pPr/>
-              <a:t>2015/9/15</a:t>
+              <a:t>2015/9/20</a:t>
             </a:fld>
             <a:endParaRPr lang="zh-CN" altLang="en-US"/>
           </a:p>
@@ -468,7 +467,7 @@
             <a:fld id="{75F7B2D5-73EA-496F-B2B6-F005A020E40C}" type="datetimeFigureOut">
               <a:rPr lang="zh-CN" altLang="en-US"/>
               <a:pPr/>
-              <a:t>2015/9/15</a:t>
+              <a:t>2015/9/20</a:t>
             </a:fld>
             <a:endParaRPr lang="en-US" altLang="zh-CN"/>
           </a:p>
@@ -1546,91 +1545,6 @@
               <a:rPr lang="zh-CN" altLang="en-US" smtClean="0"/>
               <a:pPr/>
               <a:t>17</a:t>
-            </a:fld>
-            <a:endParaRPr lang="en-US" altLang="zh-CN"/>
-          </a:p>
-        </p:txBody>
-      </p:sp>
-    </p:spTree>
-    <p:extLst>
-      <p:ext uri="{BB962C8B-B14F-4D97-AF65-F5344CB8AC3E}">
-        <p14:creationId xmlns:p14="http://schemas.microsoft.com/office/powerpoint/2010/main" val="700340629"/>
-      </p:ext>
-    </p:extLst>
-  </p:cSld>
-  <p:clrMapOvr>
-    <a:masterClrMapping/>
-  </p:clrMapOvr>
-</p:notes>
-</file>
-
-<file path=ppt/notesSlides/notesSlide18.xml><?xml version="1.0" encoding="utf-8"?>
-<p:notes xmlns:a="http://schemas.openxmlformats.org/drawingml/2006/main" xmlns:r="http://schemas.openxmlformats.org/officeDocument/2006/relationships" xmlns:p="http://schemas.openxmlformats.org/presentationml/2006/main">
-  <p:cSld>
-    <p:spTree>
-      <p:nvGrpSpPr>
-        <p:cNvPr id="1" name=""/>
-        <p:cNvGrpSpPr/>
-        <p:nvPr/>
-      </p:nvGrpSpPr>
-      <p:grpSpPr>
-        <a:xfrm>
-          <a:off x="0" y="0"/>
-          <a:ext cx="0" cy="0"/>
-          <a:chOff x="0" y="0"/>
-          <a:chExt cx="0" cy="0"/>
-        </a:xfrm>
-      </p:grpSpPr>
-      <p:sp>
-        <p:nvSpPr>
-          <p:cNvPr id="2" name="幻灯片图像占位符 1"/>
-          <p:cNvSpPr>
-            <a:spLocks noGrp="1" noRot="1" noChangeAspect="1"/>
-          </p:cNvSpPr>
-          <p:nvPr>
-            <p:ph type="sldImg"/>
-          </p:nvPr>
-        </p:nvSpPr>
-        <p:spPr/>
-      </p:sp>
-      <p:sp>
-        <p:nvSpPr>
-          <p:cNvPr id="3" name="备注占位符 2"/>
-          <p:cNvSpPr>
-            <a:spLocks noGrp="1"/>
-          </p:cNvSpPr>
-          <p:nvPr>
-            <p:ph type="body" idx="1"/>
-          </p:nvPr>
-        </p:nvSpPr>
-        <p:spPr/>
-        <p:txBody>
-          <a:bodyPr/>
-          <a:lstStyle/>
-          <a:p>
-            <a:endParaRPr lang="zh-CN" altLang="en-US" dirty="0"/>
-          </a:p>
-        </p:txBody>
-      </p:sp>
-      <p:sp>
-        <p:nvSpPr>
-          <p:cNvPr id="4" name="灯片编号占位符 3"/>
-          <p:cNvSpPr>
-            <a:spLocks noGrp="1"/>
-          </p:cNvSpPr>
-          <p:nvPr>
-            <p:ph type="sldNum" sz="quarter" idx="10"/>
-          </p:nvPr>
-        </p:nvSpPr>
-        <p:spPr/>
-        <p:txBody>
-          <a:bodyPr/>
-          <a:lstStyle/>
-          <a:p>
-            <a:fld id="{52016180-ED15-4B47-9606-AD2879690B99}" type="slidenum">
-              <a:rPr lang="zh-CN" altLang="en-US" smtClean="0"/>
-              <a:pPr/>
-              <a:t>18</a:t>
             </a:fld>
             <a:endParaRPr lang="en-US" altLang="zh-CN"/>
           </a:p>
@@ -10403,7 +10317,7 @@
                 <a:ea typeface="黑体" panose="02010609060101010101" pitchFamily="49" charset="-122"/>
               </a:rPr>
               <a:pPr/>
-              <a:t>2015/9/15</a:t>
+              <a:t>2015/9/20</a:t>
             </a:fld>
             <a:endParaRPr lang="zh-CN" altLang="en-US" sz="2000" b="1" dirty="0">
               <a:latin typeface="黑体" panose="02010609060101010101" pitchFamily="49" charset="-122"/>
@@ -11443,8 +11357,8 @@
           </a:p>
         </p:txBody>
       </p:sp>
-      <mc:AlternateContent xmlns:mc="http://schemas.openxmlformats.org/markup-compatibility/2006">
-        <mc:Choice xmlns:a14="http://schemas.microsoft.com/office/drawing/2010/main" Requires="a14">
+      <mc:AlternateContent xmlns:mc="http://schemas.openxmlformats.org/markup-compatibility/2006" xmlns:a14="http://schemas.microsoft.com/office/drawing/2010/main">
+        <mc:Choice Requires="a14">
           <p:sp>
             <p:nvSpPr>
               <p:cNvPr id="3" name="文本框 2"/>
@@ -11476,14 +11390,7 @@
                     <a:latin typeface="+mn-ea"/>
                     <a:ea typeface="+mn-ea"/>
                   </a:rPr>
-                  <a:t>分辨率</a:t>
-                </a:r>
-                <a:r>
-                  <a:rPr lang="zh-CN" altLang="en-US" sz="2400" dirty="0" smtClean="0">
-                    <a:latin typeface="+mn-ea"/>
-                    <a:ea typeface="+mn-ea"/>
-                  </a:rPr>
-                  <a:t>：</a:t>
+                  <a:t>分辨率：</a:t>
                 </a:r>
                 <a:endParaRPr lang="en-US" altLang="zh-CN" dirty="0"/>
               </a:p>
@@ -11511,28 +11418,14 @@
                     <a:latin typeface="+mn-ea"/>
                     <a:ea typeface="+mn-ea"/>
                   </a:rPr>
-                  <a:t>电压，经过运放</a:t>
-                </a:r>
-                <a:r>
-                  <a:rPr lang="zh-CN" altLang="en-US" sz="2400" dirty="0" smtClean="0">
-                    <a:latin typeface="+mn-ea"/>
-                    <a:ea typeface="+mn-ea"/>
-                  </a:rPr>
-                  <a:t>后</a:t>
+                  <a:t>电压，经过运放后</a:t>
                 </a:r>
                 <a:r>
                   <a:rPr lang="en-US" altLang="zh-CN" sz="2400" dirty="0" smtClean="0">
                     <a:latin typeface="+mn-ea"/>
                     <a:ea typeface="+mn-ea"/>
                   </a:rPr>
-                  <a:t>,</a:t>
-                </a:r>
-                <a:r>
-                  <a:rPr lang="en-US" altLang="zh-CN" sz="2400" dirty="0" smtClean="0">
-                    <a:latin typeface="+mn-ea"/>
-                    <a:ea typeface="+mn-ea"/>
-                  </a:rPr>
-                  <a:t>ADC</a:t>
+                  <a:t>,ADC</a:t>
                 </a:r>
                 <a:r>
                   <a:rPr lang="zh-CN" altLang="en-US" sz="2400" dirty="0" smtClean="0">
@@ -11754,7 +11647,7 @@
             </p:txBody>
           </p:sp>
         </mc:Choice>
-        <mc:Fallback>
+        <mc:Fallback xmlns="">
           <p:sp>
             <p:nvSpPr>
               <p:cNvPr id="3" name="文本框 2"/>
@@ -13317,6 +13210,30 @@
           <a:chExt cx="0" cy="0"/>
         </a:xfrm>
       </p:grpSpPr>
+      <p:pic>
+        <p:nvPicPr>
+          <p:cNvPr id="5" name="图片 4"/>
+          <p:cNvPicPr>
+            <a:picLocks noChangeAspect="1"/>
+          </p:cNvPicPr>
+          <p:nvPr/>
+        </p:nvPicPr>
+        <p:blipFill>
+          <a:blip r:embed="rId3"/>
+          <a:stretch>
+            <a:fillRect/>
+          </a:stretch>
+        </p:blipFill>
+        <p:spPr>
+          <a:xfrm>
+            <a:off x="2107949" y="11529"/>
+            <a:ext cx="7036051" cy="6117986"/>
+          </a:xfrm>
+          <a:prstGeom prst="rect">
+            <a:avLst/>
+          </a:prstGeom>
+        </p:spPr>
+      </p:pic>
       <p:sp>
         <p:nvSpPr>
           <p:cNvPr id="4" name="矩形 3"/>
@@ -13326,7 +13243,7 @@
         <p:spPr>
           <a:xfrm>
             <a:off x="179512" y="6165304"/>
-            <a:ext cx="2952328" cy="584775"/>
+            <a:ext cx="1696472" cy="584775"/>
           </a:xfrm>
           <a:prstGeom prst="rect">
             <a:avLst/>
@@ -14166,8 +14083,8 @@
         </p:nvSpPr>
         <p:spPr>
           <a:xfrm>
-            <a:off x="3275856" y="1896374"/>
-            <a:ext cx="5184576" cy="1569660"/>
+            <a:off x="3131840" y="1344426"/>
+            <a:ext cx="5184576" cy="2677656"/>
           </a:xfrm>
           <a:prstGeom prst="rect">
             <a:avLst/>
@@ -14244,14 +14161,7 @@
                 <a:latin typeface="+mn-ea"/>
                 <a:ea typeface="+mn-ea"/>
               </a:rPr>
-              <a:t>八月底投版，</a:t>
-            </a:r>
-            <a:r>
-              <a:rPr lang="zh-CN" altLang="en-US" sz="2400" dirty="0" smtClean="0">
-                <a:latin typeface="+mn-ea"/>
-                <a:ea typeface="+mn-ea"/>
-              </a:rPr>
-              <a:t>电路板已经拿到</a:t>
+              <a:t>八月底投版，电路板已经拿到</a:t>
             </a:r>
             <a:r>
               <a:rPr lang="en-US" altLang="zh-CN" sz="2400" dirty="0" smtClean="0">
@@ -14273,6 +14183,162 @@
                 <a:ea typeface="+mn-ea"/>
               </a:rPr>
               <a:t>)</a:t>
+            </a:r>
+          </a:p>
+          <a:p>
+            <a:pPr marL="342900" indent="-342900">
+              <a:buFont typeface="Wingdings" panose="05000000000000000000" pitchFamily="2" charset="2"/>
+              <a:buChar char="l"/>
+            </a:pPr>
+            <a:r>
+              <a:rPr lang="zh-CN" altLang="en-US" sz="2400" dirty="0" smtClean="0">
+                <a:latin typeface="+mn-ea"/>
+                <a:ea typeface="+mn-ea"/>
+              </a:rPr>
+              <a:t>将芯片焊上，测试电源</a:t>
+            </a:r>
+            <a:endParaRPr lang="en-US" altLang="zh-CN" sz="2400" dirty="0" smtClean="0">
+              <a:latin typeface="+mn-ea"/>
+              <a:ea typeface="+mn-ea"/>
+            </a:endParaRPr>
+          </a:p>
+          <a:p>
+            <a:pPr marL="342900" indent="-342900">
+              <a:buFont typeface="Wingdings" panose="05000000000000000000" pitchFamily="2" charset="2"/>
+              <a:buChar char="l"/>
+            </a:pPr>
+            <a:r>
+              <a:rPr lang="zh-CN" altLang="en-US" sz="2400" dirty="0" smtClean="0">
+                <a:latin typeface="+mn-ea"/>
+                <a:ea typeface="+mn-ea"/>
+              </a:rPr>
+              <a:t>掌握</a:t>
+            </a:r>
+            <a:r>
+              <a:rPr lang="en-US" altLang="zh-CN" sz="2400" dirty="0" smtClean="0">
+                <a:latin typeface="+mn-ea"/>
+                <a:ea typeface="+mn-ea"/>
+              </a:rPr>
+              <a:t>FPGA</a:t>
+            </a:r>
+            <a:r>
+              <a:rPr lang="zh-CN" altLang="en-US" sz="2400" dirty="0" smtClean="0">
+                <a:latin typeface="+mn-ea"/>
+                <a:ea typeface="+mn-ea"/>
+              </a:rPr>
+              <a:t>全局时钟网络、</a:t>
+            </a:r>
+            <a:r>
+              <a:rPr lang="en-US" altLang="zh-CN" sz="2400" dirty="0" smtClean="0">
+                <a:latin typeface="+mn-ea"/>
+                <a:ea typeface="+mn-ea"/>
+              </a:rPr>
+              <a:t>PLL</a:t>
+            </a:r>
+            <a:r>
+              <a:rPr lang="zh-CN" altLang="en-US" sz="2400" dirty="0" smtClean="0">
+                <a:latin typeface="+mn-ea"/>
+                <a:ea typeface="+mn-ea"/>
+              </a:rPr>
+              <a:t>的设置</a:t>
+            </a:r>
+            <a:endParaRPr lang="zh-CN" altLang="en-US" sz="2400" dirty="0">
+              <a:latin typeface="+mn-ea"/>
+              <a:ea typeface="+mn-ea"/>
+            </a:endParaRPr>
+          </a:p>
+        </p:txBody>
+      </p:sp>
+      <p:sp>
+        <p:nvSpPr>
+          <p:cNvPr id="24" name="文本框 23"/>
+          <p:cNvSpPr txBox="1"/>
+          <p:nvPr/>
+        </p:nvSpPr>
+        <p:spPr>
+          <a:xfrm>
+            <a:off x="3347864" y="1916360"/>
+            <a:ext cx="5184576" cy="2308324"/>
+          </a:xfrm>
+          <a:prstGeom prst="rect">
+            <a:avLst/>
+          </a:prstGeom>
+          <a:noFill/>
+        </p:spPr>
+        <p:txBody>
+          <a:bodyPr wrap="square" rtlCol="0">
+            <a:spAutoFit/>
+          </a:bodyPr>
+          <a:lstStyle/>
+          <a:p>
+            <a:r>
+              <a:rPr lang="zh-CN" altLang="en-US" sz="2400" dirty="0" smtClean="0">
+                <a:latin typeface="+mn-ea"/>
+                <a:ea typeface="+mn-ea"/>
+              </a:rPr>
+              <a:t>目前的问题：</a:t>
+            </a:r>
+            <a:endParaRPr lang="en-US" altLang="zh-CN" sz="2400" dirty="0" smtClean="0">
+              <a:latin typeface="+mn-ea"/>
+              <a:ea typeface="+mn-ea"/>
+            </a:endParaRPr>
+          </a:p>
+          <a:p>
+            <a:pPr marL="342900" indent="-342900">
+              <a:buFont typeface="Wingdings" panose="05000000000000000000" pitchFamily="2" charset="2"/>
+              <a:buChar char="l"/>
+            </a:pPr>
+            <a:r>
+              <a:rPr lang="en-US" altLang="zh-CN" sz="2400" dirty="0" smtClean="0">
+                <a:latin typeface="+mn-ea"/>
+                <a:ea typeface="+mn-ea"/>
+              </a:rPr>
+              <a:t>FPGA</a:t>
+            </a:r>
+            <a:r>
+              <a:rPr lang="zh-CN" altLang="en-US" sz="2400" dirty="0" smtClean="0">
+                <a:latin typeface="+mn-ea"/>
+                <a:ea typeface="+mn-ea"/>
+              </a:rPr>
+              <a:t>专用时钟管脚被误用，时钟管脚不可以用作输出，被我用作了</a:t>
+            </a:r>
+            <a:r>
+              <a:rPr lang="en-US" altLang="zh-CN" sz="2400" dirty="0" smtClean="0">
+                <a:latin typeface="+mn-ea"/>
+                <a:ea typeface="+mn-ea"/>
+              </a:rPr>
+              <a:t>ADC</a:t>
+            </a:r>
+            <a:r>
+              <a:rPr lang="zh-CN" altLang="en-US" sz="2400" dirty="0" smtClean="0">
+                <a:latin typeface="+mn-ea"/>
+                <a:ea typeface="+mn-ea"/>
+              </a:rPr>
+              <a:t>读数时钟</a:t>
+            </a:r>
+            <a:endParaRPr lang="en-US" altLang="zh-CN" sz="2400" dirty="0" smtClean="0">
+              <a:latin typeface="+mn-ea"/>
+              <a:ea typeface="+mn-ea"/>
+            </a:endParaRPr>
+          </a:p>
+          <a:p>
+            <a:pPr marL="342900" indent="-342900">
+              <a:buFont typeface="Wingdings" panose="05000000000000000000" pitchFamily="2" charset="2"/>
+              <a:buChar char="l"/>
+            </a:pPr>
+            <a:r>
+              <a:rPr lang="en-US" altLang="zh-CN" sz="2400" dirty="0" smtClean="0">
+                <a:latin typeface="+mn-ea"/>
+                <a:ea typeface="+mn-ea"/>
+              </a:rPr>
+              <a:t>USB</a:t>
+            </a:r>
+            <a:r>
+              <a:rPr lang="zh-CN" altLang="en-US" sz="2400" dirty="0" smtClean="0">
+                <a:latin typeface="+mn-ea"/>
+                <a:ea typeface="+mn-ea"/>
+              </a:rPr>
+              <a:t>读数的详细过程还不清楚，时间比较紧先用师兄的方案</a:t>
             </a:r>
             <a:endParaRPr lang="zh-CN" altLang="en-US" sz="2400" dirty="0">
               <a:latin typeface="+mn-ea"/>
@@ -14294,9 +14360,432 @@
   <p:timing>
     <p:tnLst>
       <p:par>
-        <p:cTn id="1" dur="indefinite" restart="never" nodeType="tmRoot"/>
+        <p:cTn id="1" dur="indefinite" restart="never" nodeType="tmRoot">
+          <p:childTnLst>
+            <p:seq concurrent="1" nextAc="seek">
+              <p:cTn id="2" dur="indefinite" nodeType="mainSeq">
+                <p:childTnLst>
+                  <p:par>
+                    <p:cTn id="3" fill="hold">
+                      <p:stCondLst>
+                        <p:cond delay="indefinite"/>
+                      </p:stCondLst>
+                      <p:childTnLst>
+                        <p:par>
+                          <p:cTn id="4" fill="hold">
+                            <p:stCondLst>
+                              <p:cond delay="0"/>
+                            </p:stCondLst>
+                            <p:childTnLst>
+                              <p:par>
+                                <p:cTn id="5" presetID="42" presetClass="exit" presetSubtype="0" fill="hold" grpId="0" nodeType="clickEffect">
+                                  <p:stCondLst>
+                                    <p:cond delay="0"/>
+                                  </p:stCondLst>
+                                  <p:childTnLst>
+                                    <p:animEffect transition="out" filter="fade">
+                                      <p:cBhvr>
+                                        <p:cTn id="6" dur="1000"/>
+                                        <p:tgtEl>
+                                          <p:spTgt spid="3"/>
+                                        </p:tgtEl>
+                                      </p:cBhvr>
+                                    </p:animEffect>
+                                    <p:anim calcmode="lin" valueType="num">
+                                      <p:cBhvr>
+                                        <p:cTn id="7" dur="1000"/>
+                                        <p:tgtEl>
+                                          <p:spTgt spid="3"/>
+                                        </p:tgtEl>
+                                        <p:attrNameLst>
+                                          <p:attrName>ppt_x</p:attrName>
+                                        </p:attrNameLst>
+                                      </p:cBhvr>
+                                      <p:tavLst>
+                                        <p:tav tm="0">
+                                          <p:val>
+                                            <p:strVal val="ppt_x"/>
+                                          </p:val>
+                                        </p:tav>
+                                        <p:tav tm="100000">
+                                          <p:val>
+                                            <p:strVal val="ppt_x"/>
+                                          </p:val>
+                                        </p:tav>
+                                      </p:tavLst>
+                                    </p:anim>
+                                    <p:anim calcmode="lin" valueType="num">
+                                      <p:cBhvr>
+                                        <p:cTn id="8" dur="1000"/>
+                                        <p:tgtEl>
+                                          <p:spTgt spid="3"/>
+                                        </p:tgtEl>
+                                        <p:attrNameLst>
+                                          <p:attrName>ppt_y</p:attrName>
+                                        </p:attrNameLst>
+                                      </p:cBhvr>
+                                      <p:tavLst>
+                                        <p:tav tm="0">
+                                          <p:val>
+                                            <p:strVal val="ppt_y"/>
+                                          </p:val>
+                                        </p:tav>
+                                        <p:tav tm="100000">
+                                          <p:val>
+                                            <p:strVal val="ppt_y+.1"/>
+                                          </p:val>
+                                        </p:tav>
+                                      </p:tavLst>
+                                    </p:anim>
+                                    <p:set>
+                                      <p:cBhvr>
+                                        <p:cTn id="9" dur="1" fill="hold">
+                                          <p:stCondLst>
+                                            <p:cond delay="999"/>
+                                          </p:stCondLst>
+                                        </p:cTn>
+                                        <p:tgtEl>
+                                          <p:spTgt spid="3"/>
+                                        </p:tgtEl>
+                                        <p:attrNameLst>
+                                          <p:attrName>style.visibility</p:attrName>
+                                        </p:attrNameLst>
+                                      </p:cBhvr>
+                                      <p:to>
+                                        <p:strVal val="hidden"/>
+                                      </p:to>
+                                    </p:set>
+                                  </p:childTnLst>
+                                </p:cTn>
+                              </p:par>
+                            </p:childTnLst>
+                          </p:cTn>
+                        </p:par>
+                      </p:childTnLst>
+                    </p:cTn>
+                  </p:par>
+                  <p:par>
+                    <p:cTn id="10" fill="hold">
+                      <p:stCondLst>
+                        <p:cond delay="indefinite"/>
+                      </p:stCondLst>
+                      <p:childTnLst>
+                        <p:par>
+                          <p:cTn id="11" fill="hold">
+                            <p:stCondLst>
+                              <p:cond delay="0"/>
+                            </p:stCondLst>
+                            <p:childTnLst>
+                              <p:par>
+                                <p:cTn id="12" presetID="42" presetClass="entr" presetSubtype="0" fill="hold" nodeType="clickEffect">
+                                  <p:stCondLst>
+                                    <p:cond delay="0"/>
+                                  </p:stCondLst>
+                                  <p:childTnLst>
+                                    <p:set>
+                                      <p:cBhvr>
+                                        <p:cTn id="13" dur="1" fill="hold">
+                                          <p:stCondLst>
+                                            <p:cond delay="0"/>
+                                          </p:stCondLst>
+                                        </p:cTn>
+                                        <p:tgtEl>
+                                          <p:spTgt spid="5"/>
+                                        </p:tgtEl>
+                                        <p:attrNameLst>
+                                          <p:attrName>style.visibility</p:attrName>
+                                        </p:attrNameLst>
+                                      </p:cBhvr>
+                                      <p:to>
+                                        <p:strVal val="visible"/>
+                                      </p:to>
+                                    </p:set>
+                                    <p:animEffect transition="in" filter="fade">
+                                      <p:cBhvr>
+                                        <p:cTn id="14" dur="1000"/>
+                                        <p:tgtEl>
+                                          <p:spTgt spid="5"/>
+                                        </p:tgtEl>
+                                      </p:cBhvr>
+                                    </p:animEffect>
+                                    <p:anim calcmode="lin" valueType="num">
+                                      <p:cBhvr>
+                                        <p:cTn id="15" dur="1000" fill="hold"/>
+                                        <p:tgtEl>
+                                          <p:spTgt spid="5"/>
+                                        </p:tgtEl>
+                                        <p:attrNameLst>
+                                          <p:attrName>ppt_x</p:attrName>
+                                        </p:attrNameLst>
+                                      </p:cBhvr>
+                                      <p:tavLst>
+                                        <p:tav tm="0">
+                                          <p:val>
+                                            <p:strVal val="#ppt_x"/>
+                                          </p:val>
+                                        </p:tav>
+                                        <p:tav tm="100000">
+                                          <p:val>
+                                            <p:strVal val="#ppt_x"/>
+                                          </p:val>
+                                        </p:tav>
+                                      </p:tavLst>
+                                    </p:anim>
+                                    <p:anim calcmode="lin" valueType="num">
+                                      <p:cBhvr>
+                                        <p:cTn id="16" dur="1000" fill="hold"/>
+                                        <p:tgtEl>
+                                          <p:spTgt spid="5"/>
+                                        </p:tgtEl>
+                                        <p:attrNameLst>
+                                          <p:attrName>ppt_y</p:attrName>
+                                        </p:attrNameLst>
+                                      </p:cBhvr>
+                                      <p:tavLst>
+                                        <p:tav tm="0">
+                                          <p:val>
+                                            <p:strVal val="#ppt_y+.1"/>
+                                          </p:val>
+                                        </p:tav>
+                                        <p:tav tm="100000">
+                                          <p:val>
+                                            <p:strVal val="#ppt_y"/>
+                                          </p:val>
+                                        </p:tav>
+                                      </p:tavLst>
+                                    </p:anim>
+                                  </p:childTnLst>
+                                </p:cTn>
+                              </p:par>
+                            </p:childTnLst>
+                          </p:cTn>
+                        </p:par>
+                      </p:childTnLst>
+                    </p:cTn>
+                  </p:par>
+                  <p:par>
+                    <p:cTn id="17" fill="hold">
+                      <p:stCondLst>
+                        <p:cond delay="indefinite"/>
+                      </p:stCondLst>
+                      <p:childTnLst>
+                        <p:par>
+                          <p:cTn id="18" fill="hold">
+                            <p:stCondLst>
+                              <p:cond delay="0"/>
+                            </p:stCondLst>
+                            <p:childTnLst>
+                              <p:par>
+                                <p:cTn id="19" presetID="42" presetClass="exit" presetSubtype="0" fill="hold" nodeType="clickEffect">
+                                  <p:stCondLst>
+                                    <p:cond delay="0"/>
+                                  </p:stCondLst>
+                                  <p:childTnLst>
+                                    <p:animEffect transition="out" filter="fade">
+                                      <p:cBhvr>
+                                        <p:cTn id="20" dur="1000"/>
+                                        <p:tgtEl>
+                                          <p:spTgt spid="5"/>
+                                        </p:tgtEl>
+                                      </p:cBhvr>
+                                    </p:animEffect>
+                                    <p:anim calcmode="lin" valueType="num">
+                                      <p:cBhvr>
+                                        <p:cTn id="21" dur="1000"/>
+                                        <p:tgtEl>
+                                          <p:spTgt spid="5"/>
+                                        </p:tgtEl>
+                                        <p:attrNameLst>
+                                          <p:attrName>ppt_x</p:attrName>
+                                        </p:attrNameLst>
+                                      </p:cBhvr>
+                                      <p:tavLst>
+                                        <p:tav tm="0">
+                                          <p:val>
+                                            <p:strVal val="ppt_x"/>
+                                          </p:val>
+                                        </p:tav>
+                                        <p:tav tm="100000">
+                                          <p:val>
+                                            <p:strVal val="ppt_x"/>
+                                          </p:val>
+                                        </p:tav>
+                                      </p:tavLst>
+                                    </p:anim>
+                                    <p:anim calcmode="lin" valueType="num">
+                                      <p:cBhvr>
+                                        <p:cTn id="22" dur="1000"/>
+                                        <p:tgtEl>
+                                          <p:spTgt spid="5"/>
+                                        </p:tgtEl>
+                                        <p:attrNameLst>
+                                          <p:attrName>ppt_y</p:attrName>
+                                        </p:attrNameLst>
+                                      </p:cBhvr>
+                                      <p:tavLst>
+                                        <p:tav tm="0">
+                                          <p:val>
+                                            <p:strVal val="ppt_y"/>
+                                          </p:val>
+                                        </p:tav>
+                                        <p:tav tm="100000">
+                                          <p:val>
+                                            <p:strVal val="ppt_y+.1"/>
+                                          </p:val>
+                                        </p:tav>
+                                      </p:tavLst>
+                                    </p:anim>
+                                    <p:set>
+                                      <p:cBhvr>
+                                        <p:cTn id="23" dur="1" fill="hold">
+                                          <p:stCondLst>
+                                            <p:cond delay="999"/>
+                                          </p:stCondLst>
+                                        </p:cTn>
+                                        <p:tgtEl>
+                                          <p:spTgt spid="5"/>
+                                        </p:tgtEl>
+                                        <p:attrNameLst>
+                                          <p:attrName>style.visibility</p:attrName>
+                                        </p:attrNameLst>
+                                      </p:cBhvr>
+                                      <p:to>
+                                        <p:strVal val="hidden"/>
+                                      </p:to>
+                                    </p:set>
+                                  </p:childTnLst>
+                                </p:cTn>
+                              </p:par>
+                            </p:childTnLst>
+                          </p:cTn>
+                        </p:par>
+                      </p:childTnLst>
+                    </p:cTn>
+                  </p:par>
+                  <p:par>
+                    <p:cTn id="24" fill="hold">
+                      <p:stCondLst>
+                        <p:cond delay="indefinite"/>
+                      </p:stCondLst>
+                      <p:childTnLst>
+                        <p:par>
+                          <p:cTn id="25" fill="hold">
+                            <p:stCondLst>
+                              <p:cond delay="0"/>
+                            </p:stCondLst>
+                            <p:childTnLst>
+                              <p:par>
+                                <p:cTn id="26" presetID="42" presetClass="entr" presetSubtype="0" fill="hold" grpId="0" nodeType="clickEffect">
+                                  <p:stCondLst>
+                                    <p:cond delay="0"/>
+                                  </p:stCondLst>
+                                  <p:childTnLst>
+                                    <p:set>
+                                      <p:cBhvr>
+                                        <p:cTn id="27" dur="1" fill="hold">
+                                          <p:stCondLst>
+                                            <p:cond delay="0"/>
+                                          </p:stCondLst>
+                                        </p:cTn>
+                                        <p:tgtEl>
+                                          <p:spTgt spid="24"/>
+                                        </p:tgtEl>
+                                        <p:attrNameLst>
+                                          <p:attrName>style.visibility</p:attrName>
+                                        </p:attrNameLst>
+                                      </p:cBhvr>
+                                      <p:to>
+                                        <p:strVal val="visible"/>
+                                      </p:to>
+                                    </p:set>
+                                    <p:animEffect transition="in" filter="fade">
+                                      <p:cBhvr>
+                                        <p:cTn id="28" dur="1000"/>
+                                        <p:tgtEl>
+                                          <p:spTgt spid="24"/>
+                                        </p:tgtEl>
+                                      </p:cBhvr>
+                                    </p:animEffect>
+                                    <p:anim calcmode="lin" valueType="num">
+                                      <p:cBhvr>
+                                        <p:cTn id="29" dur="1000" fill="hold"/>
+                                        <p:tgtEl>
+                                          <p:spTgt spid="24"/>
+                                        </p:tgtEl>
+                                        <p:attrNameLst>
+                                          <p:attrName>ppt_x</p:attrName>
+                                        </p:attrNameLst>
+                                      </p:cBhvr>
+                                      <p:tavLst>
+                                        <p:tav tm="0">
+                                          <p:val>
+                                            <p:strVal val="#ppt_x"/>
+                                          </p:val>
+                                        </p:tav>
+                                        <p:tav tm="100000">
+                                          <p:val>
+                                            <p:strVal val="#ppt_x"/>
+                                          </p:val>
+                                        </p:tav>
+                                      </p:tavLst>
+                                    </p:anim>
+                                    <p:anim calcmode="lin" valueType="num">
+                                      <p:cBhvr>
+                                        <p:cTn id="30" dur="1000" fill="hold"/>
+                                        <p:tgtEl>
+                                          <p:spTgt spid="24"/>
+                                        </p:tgtEl>
+                                        <p:attrNameLst>
+                                          <p:attrName>ppt_y</p:attrName>
+                                        </p:attrNameLst>
+                                      </p:cBhvr>
+                                      <p:tavLst>
+                                        <p:tav tm="0">
+                                          <p:val>
+                                            <p:strVal val="#ppt_y+.1"/>
+                                          </p:val>
+                                        </p:tav>
+                                        <p:tav tm="100000">
+                                          <p:val>
+                                            <p:strVal val="#ppt_y"/>
+                                          </p:val>
+                                        </p:tav>
+                                      </p:tavLst>
+                                    </p:anim>
+                                  </p:childTnLst>
+                                </p:cTn>
+                              </p:par>
+                            </p:childTnLst>
+                          </p:cTn>
+                        </p:par>
+                      </p:childTnLst>
+                    </p:cTn>
+                  </p:par>
+                </p:childTnLst>
+              </p:cTn>
+              <p:prevCondLst>
+                <p:cond evt="onPrev" delay="0">
+                  <p:tgtEl>
+                    <p:sldTgt/>
+                  </p:tgtEl>
+                </p:cond>
+              </p:prevCondLst>
+              <p:nextCondLst>
+                <p:cond evt="onNext" delay="0">
+                  <p:tgtEl>
+                    <p:sldTgt/>
+                  </p:tgtEl>
+                </p:cond>
+              </p:nextCondLst>
+            </p:seq>
+          </p:childTnLst>
+        </p:cTn>
       </p:par>
     </p:tnLst>
+    <p:bldLst>
+      <p:bldP spid="3" grpId="0"/>
+      <p:bldP spid="24" grpId="0"/>
+    </p:bldLst>
   </p:timing>
 </p:sld>
 </file>
@@ -14344,88 +14833,6 @@
               <a:defRPr/>
             </a:pPr>
             <a:r>
-              <a:rPr lang="zh-CN" altLang="en-US" sz="3200" b="1" dirty="0" smtClean="0">
-                <a:solidFill>
-                  <a:schemeClr val="bg1"/>
-                </a:solidFill>
-                <a:latin typeface="微软雅黑" pitchFamily="34" charset="-122"/>
-                <a:ea typeface="黑体" pitchFamily="2" charset="-122"/>
-              </a:rPr>
-              <a:t>目前的问题</a:t>
-            </a:r>
-            <a:endParaRPr lang="zh-CN" altLang="en-US" sz="3200" b="1" dirty="0">
-              <a:solidFill>
-                <a:schemeClr val="bg1"/>
-              </a:solidFill>
-              <a:latin typeface="微软雅黑" pitchFamily="34" charset="-122"/>
-              <a:ea typeface="黑体" pitchFamily="2" charset="-122"/>
-            </a:endParaRPr>
-          </a:p>
-        </p:txBody>
-      </p:sp>
-    </p:spTree>
-    <p:extLst>
-      <p:ext uri="{BB962C8B-B14F-4D97-AF65-F5344CB8AC3E}">
-        <p14:creationId xmlns:p14="http://schemas.microsoft.com/office/powerpoint/2010/main" val="2715750543"/>
-      </p:ext>
-    </p:extLst>
-  </p:cSld>
-  <p:clrMapOvr>
-    <a:masterClrMapping/>
-  </p:clrMapOvr>
-  <p:timing>
-    <p:tnLst>
-      <p:par>
-        <p:cTn id="1" dur="indefinite" restart="never" nodeType="tmRoot"/>
-      </p:par>
-    </p:tnLst>
-  </p:timing>
-</p:sld>
-</file>
-
-<file path=ppt/slides/slide18.xml><?xml version="1.0" encoding="utf-8"?>
-<p:sld xmlns:a="http://schemas.openxmlformats.org/drawingml/2006/main" xmlns:r="http://schemas.openxmlformats.org/officeDocument/2006/relationships" xmlns:p="http://schemas.openxmlformats.org/presentationml/2006/main">
-  <p:cSld>
-    <p:spTree>
-      <p:nvGrpSpPr>
-        <p:cNvPr id="1" name=""/>
-        <p:cNvGrpSpPr/>
-        <p:nvPr/>
-      </p:nvGrpSpPr>
-      <p:grpSpPr>
-        <a:xfrm>
-          <a:off x="0" y="0"/>
-          <a:ext cx="0" cy="0"/>
-          <a:chOff x="0" y="0"/>
-          <a:chExt cx="0" cy="0"/>
-        </a:xfrm>
-      </p:grpSpPr>
-      <p:sp>
-        <p:nvSpPr>
-          <p:cNvPr id="4" name="矩形 3"/>
-          <p:cNvSpPr/>
-          <p:nvPr/>
-        </p:nvSpPr>
-        <p:spPr>
-          <a:xfrm>
-            <a:off x="179512" y="6165304"/>
-            <a:ext cx="2736304" cy="584775"/>
-          </a:xfrm>
-          <a:prstGeom prst="rect">
-            <a:avLst/>
-          </a:prstGeom>
-          <a:noFill/>
-        </p:spPr>
-        <p:txBody>
-          <a:bodyPr wrap="square">
-            <a:spAutoFit/>
-          </a:bodyPr>
-          <a:lstStyle/>
-          <a:p>
-            <a:pPr algn="ctr">
-              <a:defRPr/>
-            </a:pPr>
-            <a:r>
               <a:rPr lang="zh-CN" altLang="en-US" sz="3200" dirty="0" smtClean="0">
                 <a:ln w="18415" cmpd="sng">
                   <a:solidFill>
@@ -14471,6 +14878,186 @@
           </a:p>
         </p:txBody>
       </p:sp>
+      <p:sp>
+        <p:nvSpPr>
+          <p:cNvPr id="3" name="文本框 2"/>
+          <p:cNvSpPr txBox="1"/>
+          <p:nvPr/>
+        </p:nvSpPr>
+        <p:spPr>
+          <a:xfrm>
+            <a:off x="1785574" y="1772816"/>
+            <a:ext cx="6314818" cy="2308324"/>
+          </a:xfrm>
+          <a:prstGeom prst="rect">
+            <a:avLst/>
+          </a:prstGeom>
+          <a:noFill/>
+        </p:spPr>
+        <p:txBody>
+          <a:bodyPr wrap="square" rtlCol="0">
+            <a:spAutoFit/>
+          </a:bodyPr>
+          <a:lstStyle/>
+          <a:p>
+            <a:r>
+              <a:rPr lang="zh-CN" altLang="en-US" sz="2400" dirty="0" smtClean="0">
+                <a:latin typeface="+mn-ea"/>
+                <a:ea typeface="+mn-ea"/>
+              </a:rPr>
+              <a:t>下一步：</a:t>
+            </a:r>
+            <a:endParaRPr lang="en-US" altLang="zh-CN" sz="2400" dirty="0" smtClean="0">
+              <a:latin typeface="+mn-ea"/>
+              <a:ea typeface="+mn-ea"/>
+            </a:endParaRPr>
+          </a:p>
+          <a:p>
+            <a:pPr marL="342900" indent="-342900">
+              <a:buFont typeface="Wingdings" panose="05000000000000000000" pitchFamily="2" charset="2"/>
+              <a:buChar char="l"/>
+            </a:pPr>
+            <a:r>
+              <a:rPr lang="zh-CN" altLang="en-US" sz="2400" dirty="0">
+                <a:latin typeface="+mn-ea"/>
+                <a:ea typeface="+mn-ea"/>
+              </a:rPr>
+              <a:t>先</a:t>
+            </a:r>
+            <a:r>
+              <a:rPr lang="zh-CN" altLang="en-US" sz="2400" dirty="0" smtClean="0">
+                <a:latin typeface="+mn-ea"/>
+                <a:ea typeface="+mn-ea"/>
+              </a:rPr>
+              <a:t>完成</a:t>
+            </a:r>
+            <a:r>
+              <a:rPr lang="en-US" altLang="zh-CN" sz="2400" dirty="0" smtClean="0">
+                <a:latin typeface="+mn-ea"/>
+                <a:ea typeface="+mn-ea"/>
+              </a:rPr>
+              <a:t>FPGA</a:t>
+            </a:r>
+            <a:r>
+              <a:rPr lang="zh-CN" altLang="en-US" sz="2400" dirty="0" smtClean="0">
+                <a:latin typeface="+mn-ea"/>
+                <a:ea typeface="+mn-ea"/>
+              </a:rPr>
+              <a:t>采样和读数逻辑的编写</a:t>
+            </a:r>
+            <a:endParaRPr lang="en-US" altLang="zh-CN" sz="2400" dirty="0" smtClean="0">
+              <a:latin typeface="+mn-ea"/>
+              <a:ea typeface="+mn-ea"/>
+            </a:endParaRPr>
+          </a:p>
+          <a:p>
+            <a:pPr marL="342900" indent="-342900">
+              <a:buFont typeface="Wingdings" panose="05000000000000000000" pitchFamily="2" charset="2"/>
+              <a:buChar char="l"/>
+            </a:pPr>
+            <a:r>
+              <a:rPr lang="zh-CN" altLang="en-US" sz="2400" dirty="0" smtClean="0">
+                <a:latin typeface="+mn-ea"/>
+                <a:ea typeface="+mn-ea"/>
+              </a:rPr>
+              <a:t>理解</a:t>
+            </a:r>
+            <a:r>
+              <a:rPr lang="en-US" altLang="zh-CN" sz="2400" dirty="0" smtClean="0">
+                <a:latin typeface="+mn-ea"/>
+                <a:ea typeface="+mn-ea"/>
+              </a:rPr>
+              <a:t>USB</a:t>
+            </a:r>
+            <a:r>
+              <a:rPr lang="zh-CN" altLang="en-US" sz="2400" dirty="0" smtClean="0">
+                <a:latin typeface="+mn-ea"/>
+                <a:ea typeface="+mn-ea"/>
+              </a:rPr>
+              <a:t>读数方案的详细过程</a:t>
+            </a:r>
+            <a:endParaRPr lang="en-US" altLang="zh-CN" sz="2400" dirty="0" smtClean="0">
+              <a:latin typeface="+mn-ea"/>
+              <a:ea typeface="+mn-ea"/>
+            </a:endParaRPr>
+          </a:p>
+          <a:p>
+            <a:r>
+              <a:rPr lang="zh-CN" altLang="en-US" sz="2400" dirty="0">
+                <a:latin typeface="+mn-ea"/>
+                <a:ea typeface="+mn-ea"/>
+              </a:rPr>
+              <a:t>再</a:t>
+            </a:r>
+            <a:r>
+              <a:rPr lang="zh-CN" altLang="en-US" sz="2400" dirty="0" smtClean="0">
+                <a:latin typeface="+mn-ea"/>
+                <a:ea typeface="+mn-ea"/>
+              </a:rPr>
+              <a:t>下一步</a:t>
+            </a:r>
+            <a:endParaRPr lang="en-US" altLang="zh-CN" sz="2400" dirty="0">
+              <a:latin typeface="+mn-ea"/>
+              <a:ea typeface="+mn-ea"/>
+            </a:endParaRPr>
+          </a:p>
+          <a:p>
+            <a:pPr marL="342900" indent="-342900">
+              <a:buFont typeface="Wingdings" panose="05000000000000000000" pitchFamily="2" charset="2"/>
+              <a:buChar char="l"/>
+            </a:pPr>
+            <a:r>
+              <a:rPr lang="zh-CN" altLang="en-US" sz="2400" dirty="0" smtClean="0">
+                <a:latin typeface="+mn-ea"/>
+                <a:ea typeface="+mn-ea"/>
+              </a:rPr>
+              <a:t>读写</a:t>
+            </a:r>
+            <a:r>
+              <a:rPr lang="en-US" altLang="zh-CN" sz="2400" dirty="0" smtClean="0">
+                <a:latin typeface="+mn-ea"/>
+                <a:ea typeface="+mn-ea"/>
+              </a:rPr>
+              <a:t>SRAM</a:t>
+            </a:r>
+            <a:r>
+              <a:rPr lang="zh-CN" altLang="en-US" sz="2400" dirty="0" smtClean="0">
+                <a:latin typeface="+mn-ea"/>
+                <a:ea typeface="+mn-ea"/>
+              </a:rPr>
+              <a:t>逻辑编写</a:t>
+            </a:r>
+            <a:endParaRPr lang="en-US" altLang="zh-CN" sz="2400" dirty="0" smtClean="0">
+              <a:latin typeface="+mn-ea"/>
+              <a:ea typeface="+mn-ea"/>
+            </a:endParaRPr>
+          </a:p>
+          <a:p>
+            <a:pPr marL="342900" indent="-342900">
+              <a:buFont typeface="Wingdings" panose="05000000000000000000" pitchFamily="2" charset="2"/>
+              <a:buChar char="l"/>
+            </a:pPr>
+            <a:r>
+              <a:rPr lang="en-US" altLang="zh-CN" sz="2400" dirty="0" smtClean="0">
+                <a:latin typeface="+mn-ea"/>
+                <a:ea typeface="+mn-ea"/>
+              </a:rPr>
+              <a:t>Ethernet</a:t>
+            </a:r>
+            <a:r>
+              <a:rPr lang="zh-CN" altLang="en-US" sz="2400" dirty="0" smtClean="0">
+                <a:latin typeface="+mn-ea"/>
+                <a:ea typeface="+mn-ea"/>
+              </a:rPr>
+              <a:t>模块通讯的编写</a:t>
+            </a:r>
+            <a:endParaRPr lang="zh-CN" altLang="en-US" sz="2400" dirty="0">
+              <a:latin typeface="+mn-ea"/>
+              <a:ea typeface="+mn-ea"/>
+            </a:endParaRPr>
+          </a:p>
+        </p:txBody>
+      </p:sp>
     </p:spTree>
     <p:extLst>
       <p:ext uri="{BB962C8B-B14F-4D97-AF65-F5344CB8AC3E}">
@@ -14484,14 +15071,346 @@
   <p:timing>
     <p:tnLst>
       <p:par>
-        <p:cTn id="1" dur="indefinite" restart="never" nodeType="tmRoot"/>
+        <p:cTn id="1" dur="indefinite" restart="never" nodeType="tmRoot">
+          <p:childTnLst>
+            <p:seq concurrent="1" nextAc="seek">
+              <p:cTn id="2" dur="indefinite" nodeType="mainSeq">
+                <p:childTnLst>
+                  <p:par>
+                    <p:cTn id="3" fill="hold">
+                      <p:stCondLst>
+                        <p:cond delay="indefinite"/>
+                      </p:stCondLst>
+                      <p:childTnLst>
+                        <p:par>
+                          <p:cTn id="4" fill="hold">
+                            <p:stCondLst>
+                              <p:cond delay="0"/>
+                            </p:stCondLst>
+                            <p:childTnLst>
+                              <p:par>
+                                <p:cTn id="5" presetID="42" presetClass="entr" presetSubtype="0" fill="hold" nodeType="clickEffect">
+                                  <p:stCondLst>
+                                    <p:cond delay="0"/>
+                                  </p:stCondLst>
+                                  <p:childTnLst>
+                                    <p:set>
+                                      <p:cBhvr>
+                                        <p:cTn id="6" dur="1" fill="hold">
+                                          <p:stCondLst>
+                                            <p:cond delay="0"/>
+                                          </p:stCondLst>
+                                        </p:cTn>
+                                        <p:tgtEl>
+                                          <p:spTgt spid="3">
+                                            <p:txEl>
+                                              <p:pRg st="3" end="3"/>
+                                            </p:txEl>
+                                          </p:spTgt>
+                                        </p:tgtEl>
+                                        <p:attrNameLst>
+                                          <p:attrName>style.visibility</p:attrName>
+                                        </p:attrNameLst>
+                                      </p:cBhvr>
+                                      <p:to>
+                                        <p:strVal val="visible"/>
+                                      </p:to>
+                                    </p:set>
+                                    <p:animEffect transition="in" filter="fade">
+                                      <p:cBhvr>
+                                        <p:cTn id="7" dur="1000"/>
+                                        <p:tgtEl>
+                                          <p:spTgt spid="3">
+                                            <p:txEl>
+                                              <p:pRg st="3" end="3"/>
+                                            </p:txEl>
+                                          </p:spTgt>
+                                        </p:tgtEl>
+                                      </p:cBhvr>
+                                    </p:animEffect>
+                                    <p:anim calcmode="lin" valueType="num">
+                                      <p:cBhvr>
+                                        <p:cTn id="8" dur="1000" fill="hold"/>
+                                        <p:tgtEl>
+                                          <p:spTgt spid="3">
+                                            <p:txEl>
+                                              <p:pRg st="3" end="3"/>
+                                            </p:txEl>
+                                          </p:spTgt>
+                                        </p:tgtEl>
+                                        <p:attrNameLst>
+                                          <p:attrName>ppt_x</p:attrName>
+                                        </p:attrNameLst>
+                                      </p:cBhvr>
+                                      <p:tavLst>
+                                        <p:tav tm="0">
+                                          <p:val>
+                                            <p:strVal val="#ppt_x"/>
+                                          </p:val>
+                                        </p:tav>
+                                        <p:tav tm="100000">
+                                          <p:val>
+                                            <p:strVal val="#ppt_x"/>
+                                          </p:val>
+                                        </p:tav>
+                                      </p:tavLst>
+                                    </p:anim>
+                                    <p:anim calcmode="lin" valueType="num">
+                                      <p:cBhvr>
+                                        <p:cTn id="9" dur="1000" fill="hold"/>
+                                        <p:tgtEl>
+                                          <p:spTgt spid="3">
+                                            <p:txEl>
+                                              <p:pRg st="3" end="3"/>
+                                            </p:txEl>
+                                          </p:spTgt>
+                                        </p:tgtEl>
+                                        <p:attrNameLst>
+                                          <p:attrName>ppt_y</p:attrName>
+                                        </p:attrNameLst>
+                                      </p:cBhvr>
+                                      <p:tavLst>
+                                        <p:tav tm="0">
+                                          <p:val>
+                                            <p:strVal val="#ppt_y+.1"/>
+                                          </p:val>
+                                        </p:tav>
+                                        <p:tav tm="100000">
+                                          <p:val>
+                                            <p:strVal val="#ppt_y"/>
+                                          </p:val>
+                                        </p:tav>
+                                      </p:tavLst>
+                                    </p:anim>
+                                  </p:childTnLst>
+                                </p:cTn>
+                              </p:par>
+                              <p:par>
+                                <p:cTn id="10" presetID="42" presetClass="entr" presetSubtype="0" fill="hold" nodeType="withEffect">
+                                  <p:stCondLst>
+                                    <p:cond delay="0"/>
+                                  </p:stCondLst>
+                                  <p:childTnLst>
+                                    <p:set>
+                                      <p:cBhvr>
+                                        <p:cTn id="11" dur="1" fill="hold">
+                                          <p:stCondLst>
+                                            <p:cond delay="0"/>
+                                          </p:stCondLst>
+                                        </p:cTn>
+                                        <p:tgtEl>
+                                          <p:spTgt spid="3">
+                                            <p:txEl>
+                                              <p:pRg st="4" end="4"/>
+                                            </p:txEl>
+                                          </p:spTgt>
+                                        </p:tgtEl>
+                                        <p:attrNameLst>
+                                          <p:attrName>style.visibility</p:attrName>
+                                        </p:attrNameLst>
+                                      </p:cBhvr>
+                                      <p:to>
+                                        <p:strVal val="visible"/>
+                                      </p:to>
+                                    </p:set>
+                                    <p:animEffect transition="in" filter="fade">
+                                      <p:cBhvr>
+                                        <p:cTn id="12" dur="1000"/>
+                                        <p:tgtEl>
+                                          <p:spTgt spid="3">
+                                            <p:txEl>
+                                              <p:pRg st="4" end="4"/>
+                                            </p:txEl>
+                                          </p:spTgt>
+                                        </p:tgtEl>
+                                      </p:cBhvr>
+                                    </p:animEffect>
+                                    <p:anim calcmode="lin" valueType="num">
+                                      <p:cBhvr>
+                                        <p:cTn id="13" dur="1000" fill="hold"/>
+                                        <p:tgtEl>
+                                          <p:spTgt spid="3">
+                                            <p:txEl>
+                                              <p:pRg st="4" end="4"/>
+                                            </p:txEl>
+                                          </p:spTgt>
+                                        </p:tgtEl>
+                                        <p:attrNameLst>
+                                          <p:attrName>ppt_x</p:attrName>
+                                        </p:attrNameLst>
+                                      </p:cBhvr>
+                                      <p:tavLst>
+                                        <p:tav tm="0">
+                                          <p:val>
+                                            <p:strVal val="#ppt_x"/>
+                                          </p:val>
+                                        </p:tav>
+                                        <p:tav tm="100000">
+                                          <p:val>
+                                            <p:strVal val="#ppt_x"/>
+                                          </p:val>
+                                        </p:tav>
+                                      </p:tavLst>
+                                    </p:anim>
+                                    <p:anim calcmode="lin" valueType="num">
+                                      <p:cBhvr>
+                                        <p:cTn id="14" dur="1000" fill="hold"/>
+                                        <p:tgtEl>
+                                          <p:spTgt spid="3">
+                                            <p:txEl>
+                                              <p:pRg st="4" end="4"/>
+                                            </p:txEl>
+                                          </p:spTgt>
+                                        </p:tgtEl>
+                                        <p:attrNameLst>
+                                          <p:attrName>ppt_y</p:attrName>
+                                        </p:attrNameLst>
+                                      </p:cBhvr>
+                                      <p:tavLst>
+                                        <p:tav tm="0">
+                                          <p:val>
+                                            <p:strVal val="#ppt_y+.1"/>
+                                          </p:val>
+                                        </p:tav>
+                                        <p:tav tm="100000">
+                                          <p:val>
+                                            <p:strVal val="#ppt_y"/>
+                                          </p:val>
+                                        </p:tav>
+                                      </p:tavLst>
+                                    </p:anim>
+                                  </p:childTnLst>
+                                </p:cTn>
+                              </p:par>
+                              <p:par>
+                                <p:cTn id="15" presetID="42" presetClass="entr" presetSubtype="0" fill="hold" nodeType="withEffect">
+                                  <p:stCondLst>
+                                    <p:cond delay="0"/>
+                                  </p:stCondLst>
+                                  <p:childTnLst>
+                                    <p:set>
+                                      <p:cBhvr>
+                                        <p:cTn id="16" dur="1" fill="hold">
+                                          <p:stCondLst>
+                                            <p:cond delay="0"/>
+                                          </p:stCondLst>
+                                        </p:cTn>
+                                        <p:tgtEl>
+                                          <p:spTgt spid="3">
+                                            <p:txEl>
+                                              <p:pRg st="5" end="5"/>
+                                            </p:txEl>
+                                          </p:spTgt>
+                                        </p:tgtEl>
+                                        <p:attrNameLst>
+                                          <p:attrName>style.visibility</p:attrName>
+                                        </p:attrNameLst>
+                                      </p:cBhvr>
+                                      <p:to>
+                                        <p:strVal val="visible"/>
+                                      </p:to>
+                                    </p:set>
+                                    <p:animEffect transition="in" filter="fade">
+                                      <p:cBhvr>
+                                        <p:cTn id="17" dur="1000"/>
+                                        <p:tgtEl>
+                                          <p:spTgt spid="3">
+                                            <p:txEl>
+                                              <p:pRg st="5" end="5"/>
+                                            </p:txEl>
+                                          </p:spTgt>
+                                        </p:tgtEl>
+                                      </p:cBhvr>
+                                    </p:animEffect>
+                                    <p:anim calcmode="lin" valueType="num">
+                                      <p:cBhvr>
+                                        <p:cTn id="18" dur="1000" fill="hold"/>
+                                        <p:tgtEl>
+                                          <p:spTgt spid="3">
+                                            <p:txEl>
+                                              <p:pRg st="5" end="5"/>
+                                            </p:txEl>
+                                          </p:spTgt>
+                                        </p:tgtEl>
+                                        <p:attrNameLst>
+                                          <p:attrName>ppt_x</p:attrName>
+                                        </p:attrNameLst>
+                                      </p:cBhvr>
+                                      <p:tavLst>
+                                        <p:tav tm="0">
+                                          <p:val>
+                                            <p:strVal val="#ppt_x"/>
+                                          </p:val>
+                                        </p:tav>
+                                        <p:tav tm="100000">
+                                          <p:val>
+                                            <p:strVal val="#ppt_x"/>
+                                          </p:val>
+                                        </p:tav>
+                                      </p:tavLst>
+                                    </p:anim>
+                                    <p:anim calcmode="lin" valueType="num">
+                                      <p:cBhvr>
+                                        <p:cTn id="19" dur="1000" fill="hold"/>
+                                        <p:tgtEl>
+                                          <p:spTgt spid="3">
+                                            <p:txEl>
+                                              <p:pRg st="5" end="5"/>
+                                            </p:txEl>
+                                          </p:spTgt>
+                                        </p:tgtEl>
+                                        <p:attrNameLst>
+                                          <p:attrName>ppt_y</p:attrName>
+                                        </p:attrNameLst>
+                                      </p:cBhvr>
+                                      <p:tavLst>
+                                        <p:tav tm="0">
+                                          <p:val>
+                                            <p:strVal val="#ppt_y+.1"/>
+                                          </p:val>
+                                        </p:tav>
+                                        <p:tav tm="100000">
+                                          <p:val>
+                                            <p:strVal val="#ppt_y"/>
+                                          </p:val>
+                                        </p:tav>
+                                      </p:tavLst>
+                                    </p:anim>
+                                  </p:childTnLst>
+                                </p:cTn>
+                              </p:par>
+                            </p:childTnLst>
+                          </p:cTn>
+                        </p:par>
+                      </p:childTnLst>
+                    </p:cTn>
+                  </p:par>
+                </p:childTnLst>
+              </p:cTn>
+              <p:prevCondLst>
+                <p:cond evt="onPrev" delay="0">
+                  <p:tgtEl>
+                    <p:sldTgt/>
+                  </p:tgtEl>
+                </p:cond>
+              </p:prevCondLst>
+              <p:nextCondLst>
+                <p:cond evt="onNext" delay="0">
+                  <p:tgtEl>
+                    <p:sldTgt/>
+                  </p:tgtEl>
+                </p:cond>
+              </p:nextCondLst>
+            </p:seq>
+          </p:childTnLst>
+        </p:cTn>
       </p:par>
     </p:tnLst>
   </p:timing>
 </p:sld>
 </file>
 
-<file path=ppt/slides/slide19.xml><?xml version="1.0" encoding="utf-8"?>
+<file path=ppt/slides/slide18.xml><?xml version="1.0" encoding="utf-8"?>
 <p:sld xmlns:a="http://schemas.openxmlformats.org/drawingml/2006/main" xmlns:r="http://schemas.openxmlformats.org/officeDocument/2006/relationships" xmlns:p="http://schemas.openxmlformats.org/presentationml/2006/main">
   <p:cSld>
     <p:spTree>
@@ -15288,7 +16207,7 @@
                 <a:defRPr/>
               </a:pPr>
               <a:r>
-                <a:rPr lang="zh-CN" altLang="en-US" sz="2400" b="1" dirty="0" smtClean="0">
+                <a:rPr lang="zh-CN" altLang="en-US" sz="2400" b="1" dirty="0">
                   <a:solidFill>
                     <a:schemeClr val="bg1">
                       <a:lumMod val="85000"/>
@@ -15297,7 +16216,7 @@
                   <a:latin typeface="微软雅黑" pitchFamily="34" charset="-122"/>
                   <a:ea typeface="黑体" pitchFamily="2" charset="-122"/>
                 </a:rPr>
-                <a:t>内容一</a:t>
+                <a:t>下一步计划</a:t>
               </a:r>
               <a:endParaRPr lang="zh-CN" altLang="en-US" sz="2400" b="1" dirty="0">
                 <a:solidFill>
@@ -17069,9 +17988,9 @@
         <p:grpSpPr bwMode="auto">
           <a:xfrm>
             <a:off x="509184" y="4961141"/>
-            <a:ext cx="2317750" cy="845268"/>
+            <a:ext cx="2317752" cy="845268"/>
             <a:chOff x="5423688" y="1420093"/>
-            <a:chExt cx="2316962" cy="845162"/>
+            <a:chExt cx="2316964" cy="845162"/>
           </a:xfrm>
         </p:grpSpPr>
         <p:sp>
@@ -17082,7 +18001,7 @@
           </p:nvSpPr>
           <p:spPr bwMode="auto">
             <a:xfrm>
-              <a:off x="5507797" y="1420093"/>
+              <a:off x="5507799" y="1420093"/>
               <a:ext cx="2232853" cy="834051"/>
             </a:xfrm>
             <a:prstGeom prst="roundRect">
@@ -17107,7 +18026,7 @@
                 <a:defRPr/>
               </a:pPr>
               <a:r>
-                <a:rPr lang="zh-CN" altLang="en-US" sz="2400" b="1" dirty="0" smtClean="0">
+                <a:rPr lang="zh-CN" altLang="en-US" sz="2400" b="1" dirty="0">
                   <a:solidFill>
                     <a:schemeClr val="bg1">
                       <a:lumMod val="85000"/>
@@ -17116,7 +18035,7 @@
                   <a:latin typeface="微软雅黑" pitchFamily="34" charset="-122"/>
                   <a:ea typeface="黑体" pitchFamily="2" charset="-122"/>
                 </a:rPr>
-                <a:t>内容一</a:t>
+                <a:t>下一步计划</a:t>
               </a:r>
               <a:endParaRPr lang="zh-CN" altLang="en-US" sz="2400" b="1" dirty="0">
                 <a:solidFill>
@@ -18900,7 +19819,7 @@
                 <a:defRPr/>
               </a:pPr>
               <a:r>
-                <a:rPr lang="zh-CN" altLang="en-US" sz="2400" b="1" dirty="0" smtClean="0">
+                <a:rPr lang="zh-CN" altLang="en-US" sz="2400" b="1" dirty="0">
                   <a:solidFill>
                     <a:schemeClr val="bg1">
                       <a:lumMod val="85000"/>
@@ -18909,7 +19828,7 @@
                   <a:latin typeface="微软雅黑" pitchFamily="34" charset="-122"/>
                   <a:ea typeface="黑体" pitchFamily="2" charset="-122"/>
                 </a:rPr>
-                <a:t>内容一</a:t>
+                <a:t>下一步计划</a:t>
               </a:r>
               <a:endParaRPr lang="zh-CN" altLang="en-US" sz="2400" b="1" dirty="0">
                 <a:solidFill>
@@ -20905,7 +21824,7 @@
                 <a:defRPr/>
               </a:pPr>
               <a:r>
-                <a:rPr lang="zh-CN" altLang="en-US" sz="2400" b="1" dirty="0" smtClean="0">
+                <a:rPr lang="zh-CN" altLang="en-US" sz="2400" b="1" dirty="0">
                   <a:solidFill>
                     <a:schemeClr val="bg1">
                       <a:lumMod val="85000"/>
@@ -20914,7 +21833,7 @@
                   <a:latin typeface="微软雅黑" pitchFamily="34" charset="-122"/>
                   <a:ea typeface="黑体" pitchFamily="2" charset="-122"/>
                 </a:rPr>
-                <a:t>内容一</a:t>
+                <a:t>下一步计划</a:t>
               </a:r>
               <a:endParaRPr lang="zh-CN" altLang="en-US" sz="2400" b="1" dirty="0">
                 <a:solidFill>
@@ -22204,8 +23123,8 @@
           </p:sp>
         </mc:Fallback>
       </mc:AlternateContent>
-      <mc:AlternateContent xmlns:mc="http://schemas.openxmlformats.org/markup-compatibility/2006">
-        <mc:Choice xmlns:a14="http://schemas.microsoft.com/office/drawing/2010/main" Requires="a14">
+      <mc:AlternateContent xmlns:mc="http://schemas.openxmlformats.org/markup-compatibility/2006" xmlns:a14="http://schemas.microsoft.com/office/drawing/2010/main">
+        <mc:Choice Requires="a14">
           <p:sp>
             <p:nvSpPr>
               <p:cNvPr id="5" name="文本框 4"/>
@@ -22439,7 +23358,7 @@
             </p:txBody>
           </p:sp>
         </mc:Choice>
-        <mc:Fallback>
+        <mc:Fallback xmlns="">
           <p:sp>
             <p:nvSpPr>
               <p:cNvPr id="5" name="文本框 4"/>
@@ -23282,194 +24201,14 @@
                             </p:stCondLst>
                             <p:childTnLst>
                               <p:par>
-                                <p:cTn id="5" presetID="42" presetClass="exit" presetSubtype="0" fill="hold" nodeType="clickEffect">
-                                  <p:stCondLst>
-                                    <p:cond delay="0"/>
-                                  </p:stCondLst>
-                                  <p:childTnLst>
-                                    <p:animEffect transition="out" filter="fade">
-                                      <p:cBhvr>
-                                        <p:cTn id="6" dur="1000"/>
-                                        <p:tgtEl>
-                                          <p:spTgt spid="8"/>
-                                        </p:tgtEl>
-                                      </p:cBhvr>
-                                    </p:animEffect>
-                                    <p:anim calcmode="lin" valueType="num">
-                                      <p:cBhvr>
-                                        <p:cTn id="7" dur="1000"/>
-                                        <p:tgtEl>
-                                          <p:spTgt spid="8"/>
-                                        </p:tgtEl>
-                                        <p:attrNameLst>
-                                          <p:attrName>ppt_x</p:attrName>
-                                        </p:attrNameLst>
-                                      </p:cBhvr>
-                                      <p:tavLst>
-                                        <p:tav tm="0">
-                                          <p:val>
-                                            <p:strVal val="ppt_x"/>
-                                          </p:val>
-                                        </p:tav>
-                                        <p:tav tm="100000">
-                                          <p:val>
-                                            <p:strVal val="ppt_x"/>
-                                          </p:val>
-                                        </p:tav>
-                                      </p:tavLst>
-                                    </p:anim>
-                                    <p:anim calcmode="lin" valueType="num">
-                                      <p:cBhvr>
-                                        <p:cTn id="8" dur="1000"/>
-                                        <p:tgtEl>
-                                          <p:spTgt spid="8"/>
-                                        </p:tgtEl>
-                                        <p:attrNameLst>
-                                          <p:attrName>ppt_y</p:attrName>
-                                        </p:attrNameLst>
-                                      </p:cBhvr>
-                                      <p:tavLst>
-                                        <p:tav tm="0">
-                                          <p:val>
-                                            <p:strVal val="ppt_y"/>
-                                          </p:val>
-                                        </p:tav>
-                                        <p:tav tm="100000">
-                                          <p:val>
-                                            <p:strVal val="ppt_y+.1"/>
-                                          </p:val>
-                                        </p:tav>
-                                      </p:tavLst>
-                                    </p:anim>
-                                    <p:set>
-                                      <p:cBhvr>
-                                        <p:cTn id="9" dur="1" fill="hold">
-                                          <p:stCondLst>
-                                            <p:cond delay="999"/>
-                                          </p:stCondLst>
-                                        </p:cTn>
-                                        <p:tgtEl>
-                                          <p:spTgt spid="8"/>
-                                        </p:tgtEl>
-                                        <p:attrNameLst>
-                                          <p:attrName>style.visibility</p:attrName>
-                                        </p:attrNameLst>
-                                      </p:cBhvr>
-                                      <p:to>
-                                        <p:strVal val="hidden"/>
-                                      </p:to>
-                                    </p:set>
-                                  </p:childTnLst>
-                                </p:cTn>
-                              </p:par>
-                              <p:par>
-                                <p:cTn id="10" presetID="42" presetClass="exit" presetSubtype="0" fill="hold" grpId="0" nodeType="withEffect">
-                                  <p:stCondLst>
-                                    <p:cond delay="0"/>
-                                  </p:stCondLst>
-                                  <p:childTnLst>
-                                    <p:animEffect transition="out" filter="fade">
-                                      <p:cBhvr>
-                                        <p:cTn id="11" dur="1000"/>
-                                        <p:tgtEl>
-                                          <p:spTgt spid="2"/>
-                                        </p:tgtEl>
-                                      </p:cBhvr>
-                                    </p:animEffect>
-                                    <p:anim calcmode="lin" valueType="num">
-                                      <p:cBhvr>
-                                        <p:cTn id="12" dur="1000"/>
-                                        <p:tgtEl>
-                                          <p:spTgt spid="2"/>
-                                        </p:tgtEl>
-                                        <p:attrNameLst>
-                                          <p:attrName>ppt_x</p:attrName>
-                                        </p:attrNameLst>
-                                      </p:cBhvr>
-                                      <p:tavLst>
-                                        <p:tav tm="0">
-                                          <p:val>
-                                            <p:strVal val="ppt_x"/>
-                                          </p:val>
-                                        </p:tav>
-                                        <p:tav tm="100000">
-                                          <p:val>
-                                            <p:strVal val="ppt_x"/>
-                                          </p:val>
-                                        </p:tav>
-                                      </p:tavLst>
-                                    </p:anim>
-                                    <p:anim calcmode="lin" valueType="num">
-                                      <p:cBhvr>
-                                        <p:cTn id="13" dur="1000"/>
-                                        <p:tgtEl>
-                                          <p:spTgt spid="2"/>
-                                        </p:tgtEl>
-                                        <p:attrNameLst>
-                                          <p:attrName>ppt_y</p:attrName>
-                                        </p:attrNameLst>
-                                      </p:cBhvr>
-                                      <p:tavLst>
-                                        <p:tav tm="0">
-                                          <p:val>
-                                            <p:strVal val="ppt_y"/>
-                                          </p:val>
-                                        </p:tav>
-                                        <p:tav tm="100000">
-                                          <p:val>
-                                            <p:strVal val="ppt_y+.1"/>
-                                          </p:val>
-                                        </p:tav>
-                                      </p:tavLst>
-                                    </p:anim>
-                                    <p:set>
-                                      <p:cBhvr>
-                                        <p:cTn id="14" dur="1" fill="hold">
-                                          <p:stCondLst>
-                                            <p:cond delay="999"/>
-                                          </p:stCondLst>
-                                        </p:cTn>
-                                        <p:tgtEl>
-                                          <p:spTgt spid="2"/>
-                                        </p:tgtEl>
-                                        <p:attrNameLst>
-                                          <p:attrName>style.visibility</p:attrName>
-                                        </p:attrNameLst>
-                                      </p:cBhvr>
-                                      <p:to>
-                                        <p:strVal val="hidden"/>
-                                      </p:to>
-                                    </p:set>
-                                  </p:childTnLst>
-                                </p:cTn>
-                              </p:par>
-                            </p:childTnLst>
-                          </p:cTn>
-                        </p:par>
-                      </p:childTnLst>
-                    </p:cTn>
-                  </p:par>
-                  <p:par>
-                    <p:cTn id="15" fill="hold">
-                      <p:stCondLst>
-                        <p:cond delay="indefinite"/>
-                      </p:stCondLst>
-                      <p:childTnLst>
-                        <p:par>
-                          <p:cTn id="16" fill="hold">
-                            <p:stCondLst>
-                              <p:cond delay="0"/>
-                            </p:stCondLst>
-                            <p:childTnLst>
-                              <p:par>
-                                <p:cTn id="17" presetID="42" presetClass="entr" presetSubtype="0" fill="hold" nodeType="clickEffect">
+                                <p:cTn id="5" presetID="42" presetClass="entr" presetSubtype="0" fill="hold" nodeType="clickEffect">
                                   <p:stCondLst>
                                     <p:cond delay="0"/>
                                   </p:stCondLst>
                                   <p:childTnLst>
                                     <p:set>
                                       <p:cBhvr>
-                                        <p:cTn id="18" dur="1" fill="hold">
+                                        <p:cTn id="6" dur="1" fill="hold">
                                           <p:stCondLst>
                                             <p:cond delay="0"/>
                                           </p:stCondLst>
@@ -23487,7 +24226,7 @@
                                     </p:set>
                                     <p:animEffect transition="in" filter="fade">
                                       <p:cBhvr>
-                                        <p:cTn id="19" dur="1000"/>
+                                        <p:cTn id="7" dur="1000"/>
                                         <p:tgtEl>
                                           <p:spTgt spid="9"/>
                                         </p:tgtEl>
@@ -23495,7 +24234,7 @@
                                     </p:animEffect>
                                     <p:anim calcmode="lin" valueType="num">
                                       <p:cBhvr>
-                                        <p:cTn id="20" dur="1000" fill="hold"/>
+                                        <p:cTn id="8" dur="1000" fill="hold"/>
                                         <p:tgtEl>
                                           <p:spTgt spid="9"/>
                                         </p:tgtEl>
@@ -23518,7 +24257,7 @@
                                     </p:anim>
                                     <p:anim calcmode="lin" valueType="num">
                                       <p:cBhvr>
-                                        <p:cTn id="21" dur="1000" fill="hold"/>
+                                        <p:cTn id="9" dur="1000" fill="hold"/>
                                         <p:tgtEl>
                                           <p:spTgt spid="9"/>
                                         </p:tgtEl>
@@ -23543,14 +24282,14 @@
                                 </p:cTn>
                               </p:par>
                               <p:par>
-                                <p:cTn id="22" presetID="42" presetClass="entr" presetSubtype="0" fill="hold" grpId="0" nodeType="withEffect">
+                                <p:cTn id="10" presetID="42" presetClass="entr" presetSubtype="0" fill="hold" grpId="0" nodeType="withEffect">
                                   <p:stCondLst>
                                     <p:cond delay="0"/>
                                   </p:stCondLst>
                                   <p:childTnLst>
                                     <p:set>
                                       <p:cBhvr>
-                                        <p:cTn id="23" dur="1" fill="hold">
+                                        <p:cTn id="11" dur="1" fill="hold">
                                           <p:stCondLst>
                                             <p:cond delay="0"/>
                                           </p:stCondLst>
@@ -23568,7 +24307,7 @@
                                     </p:set>
                                     <p:animEffect transition="in" filter="fade">
                                       <p:cBhvr>
-                                        <p:cTn id="24" dur="1000"/>
+                                        <p:cTn id="12" dur="1000"/>
                                         <p:tgtEl>
                                           <p:spTgt spid="3"/>
                                         </p:tgtEl>
@@ -23576,7 +24315,7 @@
                                     </p:animEffect>
                                     <p:anim calcmode="lin" valueType="num">
                                       <p:cBhvr>
-                                        <p:cTn id="25" dur="1000" fill="hold"/>
+                                        <p:cTn id="13" dur="1000" fill="hold"/>
                                         <p:tgtEl>
                                           <p:spTgt spid="3"/>
                                         </p:tgtEl>
@@ -23599,7 +24338,7 @@
                                     </p:anim>
                                     <p:anim calcmode="lin" valueType="num">
                                       <p:cBhvr>
-                                        <p:cTn id="26" dur="1000" fill="hold"/>
+                                        <p:cTn id="14" dur="1000" fill="hold"/>
                                         <p:tgtEl>
                                           <p:spTgt spid="3"/>
                                         </p:tgtEl>
@@ -23651,7 +24390,6 @@
       </p:par>
     </p:tnLst>
     <p:bldLst>
-      <p:bldP spid="2" grpId="0"/>
       <p:bldP spid="3" grpId="0"/>
     </p:bldLst>
   </p:timing>

--- a/2M采样率双通道数据采集卡.pptx
+++ b/2M采样率双通道数据采集卡.pptx
@@ -10592,7 +10592,7 @@
         </p:blipFill>
         <p:spPr>
           <a:xfrm>
-            <a:off x="3419872" y="176917"/>
+            <a:off x="3419872" y="0"/>
             <a:ext cx="4953000" cy="4019550"/>
           </a:xfrm>
           <a:prstGeom prst="rect">
@@ -10600,8 +10600,8 @@
           </a:prstGeom>
         </p:spPr>
       </p:pic>
-      <mc:AlternateContent xmlns:mc="http://schemas.openxmlformats.org/markup-compatibility/2006" xmlns:a14="http://schemas.microsoft.com/office/drawing/2010/main">
-        <mc:Choice Requires="a14">
+      <mc:AlternateContent xmlns:mc="http://schemas.openxmlformats.org/markup-compatibility/2006">
+        <mc:Choice xmlns:a14="http://schemas.microsoft.com/office/drawing/2010/main" Requires="a14">
           <p:sp>
             <p:nvSpPr>
               <p:cNvPr id="7" name="文本框 6"/>
@@ -10610,7 +10610,7 @@
             </p:nvSpPr>
             <p:spPr>
               <a:xfrm>
-                <a:off x="418057" y="4120730"/>
+                <a:off x="467544" y="3973424"/>
                 <a:ext cx="8114383" cy="2117054"/>
               </a:xfrm>
               <a:prstGeom prst="rect">
@@ -10881,7 +10881,7 @@
             </p:txBody>
           </p:sp>
         </mc:Choice>
-        <mc:Fallback xmlns="">
+        <mc:Fallback>
           <p:sp>
             <p:nvSpPr>
               <p:cNvPr id="7" name="文本框 6"/>
@@ -10892,7 +10892,7 @@
             </p:nvSpPr>
             <p:spPr>
               <a:xfrm>
-                <a:off x="418057" y="4120730"/>
+                <a:off x="467544" y="3973424"/>
                 <a:ext cx="8114383" cy="2117054"/>
               </a:xfrm>
               <a:prstGeom prst="rect">
@@ -13737,7 +13737,7 @@
                   <a:latin typeface="微软雅黑" pitchFamily="34" charset="-122"/>
                   <a:ea typeface="黑体" pitchFamily="2" charset="-122"/>
                 </a:rPr>
-                <a:t>芯片选择</a:t>
+                <a:t>参数计算</a:t>
               </a:r>
               <a:endParaRPr lang="zh-CN" altLang="en-US" sz="2400" b="1" dirty="0">
                 <a:solidFill>
@@ -16218,15 +16218,6 @@
                 </a:rPr>
                 <a:t>下一步计划</a:t>
               </a:r>
-              <a:endParaRPr lang="zh-CN" altLang="en-US" sz="2400" b="1" dirty="0">
-                <a:solidFill>
-                  <a:schemeClr val="bg1">
-                    <a:lumMod val="85000"/>
-                  </a:schemeClr>
-                </a:solidFill>
-                <a:latin typeface="微软雅黑" pitchFamily="34" charset="-122"/>
-                <a:ea typeface="黑体" pitchFamily="2" charset="-122"/>
-              </a:endParaRPr>
             </a:p>
           </p:txBody>
         </p:sp>
@@ -18037,15 +18028,6 @@
                 </a:rPr>
                 <a:t>下一步计划</a:t>
               </a:r>
-              <a:endParaRPr lang="zh-CN" altLang="en-US" sz="2400" b="1" dirty="0">
-                <a:solidFill>
-                  <a:schemeClr val="bg1">
-                    <a:lumMod val="85000"/>
-                  </a:schemeClr>
-                </a:solidFill>
-                <a:latin typeface="微软雅黑" pitchFamily="34" charset="-122"/>
-                <a:ea typeface="黑体" pitchFamily="2" charset="-122"/>
-              </a:endParaRPr>
             </a:p>
           </p:txBody>
         </p:sp>
@@ -19830,15 +19812,6 @@
                 </a:rPr>
                 <a:t>下一步计划</a:t>
               </a:r>
-              <a:endParaRPr lang="zh-CN" altLang="en-US" sz="2400" b="1" dirty="0">
-                <a:solidFill>
-                  <a:schemeClr val="bg1">
-                    <a:lumMod val="85000"/>
-                  </a:schemeClr>
-                </a:solidFill>
-                <a:latin typeface="微软雅黑" pitchFamily="34" charset="-122"/>
-                <a:ea typeface="黑体" pitchFamily="2" charset="-122"/>
-              </a:endParaRPr>
             </a:p>
           </p:txBody>
         </p:sp>
@@ -21154,7 +21127,30 @@
                 <a:latin typeface="+mj-ea"/>
                 <a:ea typeface="+mj-ea"/>
               </a:rPr>
-              <a:t> 芯片选择</a:t>
+              <a:t> </a:t>
+            </a:r>
+            <a:r>
+              <a:rPr lang="zh-CN" altLang="en-US" sz="3200" dirty="0" smtClean="0">
+                <a:ln w="18415" cmpd="sng">
+                  <a:solidFill>
+                    <a:srgbClr val="FFFFFF"/>
+                  </a:solidFill>
+                  <a:prstDash val="solid"/>
+                </a:ln>
+                <a:solidFill>
+                  <a:srgbClr val="FFFFFF"/>
+                </a:solidFill>
+                <a:effectLst>
+                  <a:outerShdw blurRad="63500" dir="3600000" algn="tl" rotWithShape="0">
+                    <a:srgbClr val="000000">
+                      <a:alpha val="70000"/>
+                    </a:srgbClr>
+                  </a:outerShdw>
+                </a:effectLst>
+                <a:latin typeface="+mj-ea"/>
+                <a:ea typeface="+mj-ea"/>
+              </a:rPr>
+              <a:t>参数计算</a:t>
             </a:r>
             <a:endParaRPr lang="zh-CN" altLang="en-US" sz="3200" dirty="0">
               <a:ln w="18415" cmpd="sng">
@@ -21635,7 +21631,7 @@
                   <a:latin typeface="微软雅黑" pitchFamily="34" charset="-122"/>
                   <a:ea typeface="黑体" pitchFamily="2" charset="-122"/>
                 </a:rPr>
-                <a:t>芯片选择</a:t>
+                <a:t>参数计算</a:t>
               </a:r>
               <a:endParaRPr lang="zh-CN" altLang="en-US" sz="2400" b="1" dirty="0">
                 <a:solidFill>
@@ -21835,15 +21831,6 @@
                 </a:rPr>
                 <a:t>下一步计划</a:t>
               </a:r>
-              <a:endParaRPr lang="zh-CN" altLang="en-US" sz="2400" b="1" dirty="0">
-                <a:solidFill>
-                  <a:schemeClr val="bg1">
-                    <a:lumMod val="85000"/>
-                  </a:schemeClr>
-                </a:solidFill>
-                <a:latin typeface="微软雅黑" pitchFamily="34" charset="-122"/>
-                <a:ea typeface="黑体" pitchFamily="2" charset="-122"/>
-              </a:endParaRPr>
             </a:p>
           </p:txBody>
         </p:sp>
@@ -22171,8 +22158,8 @@
           </a:prstGeom>
         </p:spPr>
       </p:pic>
-      <mc:AlternateContent xmlns:mc="http://schemas.openxmlformats.org/markup-compatibility/2006" xmlns:a14="http://schemas.microsoft.com/office/drawing/2010/main">
-        <mc:Choice Requires="a14">
+      <mc:AlternateContent xmlns:mc="http://schemas.openxmlformats.org/markup-compatibility/2006">
+        <mc:Choice xmlns:a14="http://schemas.microsoft.com/office/drawing/2010/main" Requires="a14">
           <p:sp>
             <p:nvSpPr>
               <p:cNvPr id="7" name="文本框 6"/>
@@ -22182,7 +22169,7 @@
             <p:spPr>
               <a:xfrm>
                 <a:off x="1043608" y="3140968"/>
-                <a:ext cx="6840760" cy="3204082"/>
+                <a:ext cx="6840760" cy="2802242"/>
               </a:xfrm>
               <a:prstGeom prst="rect">
                 <a:avLst/>
@@ -23066,13 +23053,14 @@
                   <a:rPr lang="zh-CN" altLang="en-US" sz="2400" dirty="0" smtClean="0">
                     <a:latin typeface="+mn-ea"/>
                   </a:rPr>
-                  <a:t>的共模电压便能满足要求</a:t>
+                  <a:t>的共模电压便能满足</a:t>
                 </a:r>
-                <a:endParaRPr lang="en-US" altLang="zh-CN" sz="2400" dirty="0">
-                  <a:latin typeface="+mn-ea"/>
-                </a:endParaRPr>
-              </a:p>
-              <a:p>
+                <a:r>
+                  <a:rPr lang="zh-CN" altLang="en-US" sz="2400" dirty="0" smtClean="0">
+                    <a:latin typeface="+mn-ea"/>
+                  </a:rPr>
+                  <a:t>要求</a:t>
+                </a:r>
                 <a:endParaRPr lang="en-US" altLang="zh-CN" sz="2400" dirty="0" smtClean="0">
                   <a:latin typeface="+mn-ea"/>
                   <a:ea typeface="+mn-ea"/>
@@ -23084,7 +23072,7 @@
             </p:txBody>
           </p:sp>
         </mc:Choice>
-        <mc:Fallback xmlns="">
+        <mc:Fallback>
           <p:sp>
             <p:nvSpPr>
               <p:cNvPr id="7" name="文本框 6"/>
@@ -23096,15 +23084,15 @@
             <p:spPr>
               <a:xfrm>
                 <a:off x="1043608" y="3140968"/>
-                <a:ext cx="6840760" cy="3204082"/>
+                <a:ext cx="6840760" cy="2802242"/>
               </a:xfrm>
               <a:prstGeom prst="rect">
                 <a:avLst/>
               </a:prstGeom>
               <a:blipFill rotWithShape="0">
-                <a:blip r:embed="rId5"/>
+                <a:blip r:embed="rId4"/>
                 <a:stretch>
-                  <a:fillRect l="-1337" t="-1521"/>
+                  <a:fillRect l="-1337" t="-1739"/>
                 </a:stretch>
               </a:blipFill>
             </p:spPr>
